--- a/Wifi Localization.pptx
+++ b/Wifi Localization.pptx
@@ -8,14 +8,15 @@
     <p:sldId id="256" r:id="rId2"/>
     <p:sldId id="257" r:id="rId3"/>
     <p:sldId id="259" r:id="rId4"/>
-    <p:sldId id="258" r:id="rId5"/>
-    <p:sldId id="260" r:id="rId6"/>
-    <p:sldId id="261" r:id="rId7"/>
-    <p:sldId id="262" r:id="rId8"/>
-    <p:sldId id="264" r:id="rId9"/>
-    <p:sldId id="263" r:id="rId10"/>
-    <p:sldId id="265" r:id="rId11"/>
-    <p:sldId id="266" r:id="rId12"/>
+    <p:sldId id="267" r:id="rId5"/>
+    <p:sldId id="258" r:id="rId6"/>
+    <p:sldId id="260" r:id="rId7"/>
+    <p:sldId id="261" r:id="rId8"/>
+    <p:sldId id="262" r:id="rId9"/>
+    <p:sldId id="264" r:id="rId10"/>
+    <p:sldId id="263" r:id="rId11"/>
+    <p:sldId id="265" r:id="rId12"/>
+    <p:sldId id="266" r:id="rId13"/>
   </p:sldIdLst>
   <p:sldSz cx="12192000" cy="6858000"/>
   <p:notesSz cx="6858000" cy="9144000"/>
@@ -114,6 +115,11 @@
       </a:defRPr>
     </a:lvl9pPr>
   </p:defaultTextStyle>
+  <p:extLst>
+    <p:ext uri="{EFAFB233-063F-42B5-8137-9DF3F51BA10A}">
+      <p15:sldGuideLst xmlns:p15="http://schemas.microsoft.com/office/powerpoint/2012/main"/>
+    </p:ext>
+  </p:extLst>
 </p:presentation>
 </file>
 
@@ -3071,90 +3077,42 @@
           <a:p>
             <a:r>
               <a:rPr lang="en-US" dirty="0" smtClean="0"/>
-              <a:t>Test results for Range variation - Parameters</a:t>
+              <a:t>Test results for Error variation - Results</a:t>
             </a:r>
             <a:endParaRPr lang="mk-MK" dirty="0"/>
           </a:p>
         </p:txBody>
       </p:sp>
-      <p:sp>
-        <p:nvSpPr>
-          <p:cNvPr id="3" name="Content Placeholder 2"/>
-          <p:cNvSpPr>
-            <a:spLocks noGrp="1"/>
-          </p:cNvSpPr>
+      <p:pic>
+        <p:nvPicPr>
+          <p:cNvPr id="4" name="Content Placeholder 3"/>
+          <p:cNvPicPr>
+            <a:picLocks noGrp="1" noChangeAspect="1"/>
+          </p:cNvPicPr>
           <p:nvPr>
             <p:ph idx="1"/>
           </p:nvPr>
-        </p:nvSpPr>
-        <p:spPr/>
-        <p:txBody>
-          <a:bodyPr>
-            <a:normAutofit/>
-          </a:bodyPr>
-          <a:lstStyle/>
-          <a:p>
-            <a:r>
-              <a:rPr lang="en-US" dirty="0" err="1" smtClean="0"/>
-              <a:t>GridPositionJitter</a:t>
-            </a:r>
-            <a:r>
-              <a:rPr lang="en-US" dirty="0" smtClean="0"/>
-              <a:t> 0.200000</a:t>
-            </a:r>
-          </a:p>
-          <a:p>
-            <a:r>
-              <a:rPr lang="en-US" dirty="0" err="1" smtClean="0"/>
-              <a:t>PathNumberOfSplits</a:t>
-            </a:r>
-            <a:r>
-              <a:rPr lang="en-US" dirty="0" smtClean="0"/>
-              <a:t> 5.000000</a:t>
-            </a:r>
-          </a:p>
-          <a:p>
-            <a:r>
-              <a:rPr lang="en-US" dirty="0" err="1" smtClean="0"/>
-              <a:t>NumberOfPointsToFilter</a:t>
-            </a:r>
-            <a:r>
-              <a:rPr lang="en-US" dirty="0" smtClean="0"/>
-              <a:t> 10.000000</a:t>
-            </a:r>
-          </a:p>
-          <a:p>
-            <a:r>
-              <a:rPr lang="en-US" dirty="0" err="1" smtClean="0"/>
-              <a:t>ErrorPercentageOfRange</a:t>
-            </a:r>
-            <a:r>
-              <a:rPr lang="en-US" dirty="0" smtClean="0"/>
-              <a:t> 0.100000</a:t>
-            </a:r>
-          </a:p>
-          <a:p>
-            <a:pPr marL="0" indent="0">
-              <a:buNone/>
-            </a:pPr>
-            <a:endParaRPr lang="en-US" dirty="0" smtClean="0"/>
-          </a:p>
-          <a:p>
-            <a:r>
-              <a:rPr lang="en-US" dirty="0" err="1" smtClean="0"/>
-              <a:t>RadioRange</a:t>
-            </a:r>
-            <a:r>
-              <a:rPr lang="en-US" dirty="0" smtClean="0"/>
-              <a:t> [0.020000 – 1.000000]</a:t>
-            </a:r>
-          </a:p>
-        </p:txBody>
-      </p:sp>
+        </p:nvPicPr>
+        <p:blipFill>
+          <a:blip r:embed="rId2"/>
+          <a:stretch>
+            <a:fillRect/>
+          </a:stretch>
+        </p:blipFill>
+        <p:spPr>
+          <a:xfrm>
+            <a:off x="3098500" y="1825625"/>
+            <a:ext cx="5995000" cy="4351338"/>
+          </a:xfrm>
+          <a:prstGeom prst="rect">
+            <a:avLst/>
+          </a:prstGeom>
+        </p:spPr>
+      </p:pic>
     </p:spTree>
     <p:extLst>
       <p:ext uri="{BB962C8B-B14F-4D97-AF65-F5344CB8AC3E}">
-        <p14:creationId xmlns:p14="http://schemas.microsoft.com/office/powerpoint/2010/main" val="172691228"/>
+        <p14:creationId xmlns:p14="http://schemas.microsoft.com/office/powerpoint/2010/main" val="1141317431"/>
       </p:ext>
     </p:extLst>
   </p:cSld>
@@ -3198,7 +3156,7 @@
           <a:p>
             <a:r>
               <a:rPr lang="en-US" dirty="0" smtClean="0"/>
-              <a:t>Test results for Range variation - Results</a:t>
+              <a:t>Test results for Range variation - Parameters</a:t>
             </a:r>
             <a:endParaRPr lang="mk-MK" dirty="0"/>
           </a:p>
@@ -3221,13 +3179,142 @@
           </a:bodyPr>
           <a:lstStyle/>
           <a:p>
+            <a:r>
+              <a:rPr lang="en-US" dirty="0" err="1" smtClean="0"/>
+              <a:t>GridPositionJitter</a:t>
+            </a:r>
+            <a:r>
+              <a:rPr lang="en-US" dirty="0" smtClean="0"/>
+              <a:t> 0.200000</a:t>
+            </a:r>
+          </a:p>
+          <a:p>
+            <a:r>
+              <a:rPr lang="en-US" dirty="0" err="1" smtClean="0"/>
+              <a:t>PathNumberOfSplits</a:t>
+            </a:r>
+            <a:r>
+              <a:rPr lang="en-US" dirty="0" smtClean="0"/>
+              <a:t> 5.000000</a:t>
+            </a:r>
+          </a:p>
+          <a:p>
+            <a:r>
+              <a:rPr lang="en-US" dirty="0" err="1" smtClean="0"/>
+              <a:t>NumberOfPointsToFilter</a:t>
+            </a:r>
+            <a:r>
+              <a:rPr lang="en-US" dirty="0" smtClean="0"/>
+              <a:t> 10.000000</a:t>
+            </a:r>
+          </a:p>
+          <a:p>
+            <a:r>
+              <a:rPr lang="en-US" dirty="0" err="1" smtClean="0"/>
+              <a:t>ErrorPercentageOfRange</a:t>
+            </a:r>
+            <a:r>
+              <a:rPr lang="en-US" dirty="0" smtClean="0"/>
+              <a:t> 0.100000</a:t>
+            </a:r>
+          </a:p>
+          <a:p>
             <a:pPr marL="0" indent="0">
               <a:buNone/>
             </a:pPr>
             <a:endParaRPr lang="en-US" dirty="0" smtClean="0"/>
           </a:p>
-        </p:txBody>
-      </p:sp>
+          <a:p>
+            <a:r>
+              <a:rPr lang="en-US" dirty="0" err="1" smtClean="0"/>
+              <a:t>RadioRange</a:t>
+            </a:r>
+            <a:r>
+              <a:rPr lang="en-US" dirty="0" smtClean="0"/>
+              <a:t> [0.020000 – 1.000000]</a:t>
+            </a:r>
+          </a:p>
+        </p:txBody>
+      </p:sp>
+    </p:spTree>
+    <p:extLst>
+      <p:ext uri="{BB962C8B-B14F-4D97-AF65-F5344CB8AC3E}">
+        <p14:creationId xmlns:p14="http://schemas.microsoft.com/office/powerpoint/2010/main" val="172691228"/>
+      </p:ext>
+    </p:extLst>
+  </p:cSld>
+  <p:clrMapOvr>
+    <a:masterClrMapping/>
+  </p:clrMapOvr>
+</p:sld>
+</file>
+
+<file path=ppt/slides/slide12.xml><?xml version="1.0" encoding="utf-8"?>
+<p:sld xmlns:a="http://schemas.openxmlformats.org/drawingml/2006/main" xmlns:r="http://schemas.openxmlformats.org/officeDocument/2006/relationships" xmlns:p="http://schemas.openxmlformats.org/presentationml/2006/main">
+  <p:cSld>
+    <p:spTree>
+      <p:nvGrpSpPr>
+        <p:cNvPr id="1" name=""/>
+        <p:cNvGrpSpPr/>
+        <p:nvPr/>
+      </p:nvGrpSpPr>
+      <p:grpSpPr>
+        <a:xfrm>
+          <a:off x="0" y="0"/>
+          <a:ext cx="0" cy="0"/>
+          <a:chOff x="0" y="0"/>
+          <a:chExt cx="0" cy="0"/>
+        </a:xfrm>
+      </p:grpSpPr>
+      <p:sp>
+        <p:nvSpPr>
+          <p:cNvPr id="2" name="Title 1"/>
+          <p:cNvSpPr>
+            <a:spLocks noGrp="1"/>
+          </p:cNvSpPr>
+          <p:nvPr>
+            <p:ph type="title"/>
+          </p:nvPr>
+        </p:nvSpPr>
+        <p:spPr/>
+        <p:txBody>
+          <a:bodyPr/>
+          <a:lstStyle/>
+          <a:p>
+            <a:r>
+              <a:rPr lang="en-US" dirty="0" smtClean="0"/>
+              <a:t>Test results for Range variation - Results</a:t>
+            </a:r>
+            <a:endParaRPr lang="mk-MK" dirty="0"/>
+          </a:p>
+        </p:txBody>
+      </p:sp>
+      <p:pic>
+        <p:nvPicPr>
+          <p:cNvPr id="5" name="Content Placeholder 4"/>
+          <p:cNvPicPr>
+            <a:picLocks noGrp="1" noChangeAspect="1"/>
+          </p:cNvPicPr>
+          <p:nvPr>
+            <p:ph idx="1"/>
+          </p:nvPr>
+        </p:nvPicPr>
+        <p:blipFill>
+          <a:blip r:embed="rId2"/>
+          <a:stretch>
+            <a:fillRect/>
+          </a:stretch>
+        </p:blipFill>
+        <p:spPr>
+          <a:xfrm>
+            <a:off x="3229361" y="1825625"/>
+            <a:ext cx="5733277" cy="4351338"/>
+          </a:xfrm>
+          <a:prstGeom prst="rect">
+            <a:avLst/>
+          </a:prstGeom>
+        </p:spPr>
+      </p:pic>
     </p:spTree>
     <p:extLst>
       <p:ext uri="{BB962C8B-B14F-4D97-AF65-F5344CB8AC3E}">
@@ -3629,36 +3716,47 @@
           <a:lstStyle/>
           <a:p>
             <a:r>
+              <a:rPr lang="en-US" dirty="0"/>
+              <a:t>1. Generating </a:t>
+            </a:r>
+            <a:r>
               <a:rPr lang="en-US" dirty="0" smtClean="0"/>
-              <a:t>1. Generating grid</a:t>
+              <a:t>grid</a:t>
             </a:r>
             <a:endParaRPr lang="mk-MK" dirty="0"/>
           </a:p>
         </p:txBody>
       </p:sp>
-      <p:sp>
-        <p:nvSpPr>
-          <p:cNvPr id="3" name="Content Placeholder 2"/>
-          <p:cNvSpPr>
-            <a:spLocks noGrp="1"/>
-          </p:cNvSpPr>
+      <p:pic>
+        <p:nvPicPr>
+          <p:cNvPr id="4" name="Content Placeholder 3"/>
+          <p:cNvPicPr>
+            <a:picLocks noGrp="1" noChangeAspect="1"/>
+          </p:cNvPicPr>
           <p:nvPr>
             <p:ph idx="1"/>
           </p:nvPr>
-        </p:nvSpPr>
-        <p:spPr/>
-        <p:txBody>
-          <a:bodyPr/>
-          <a:lstStyle/>
-          <a:p>
-            <a:endParaRPr lang="mk-MK" dirty="0"/>
-          </a:p>
-        </p:txBody>
-      </p:sp>
+        </p:nvPicPr>
+        <p:blipFill>
+          <a:blip r:embed="rId2"/>
+          <a:stretch>
+            <a:fillRect/>
+          </a:stretch>
+        </p:blipFill>
+        <p:spPr>
+          <a:xfrm>
+            <a:off x="3122115" y="1825625"/>
+            <a:ext cx="5947770" cy="4351338"/>
+          </a:xfrm>
+          <a:prstGeom prst="rect">
+            <a:avLst/>
+          </a:prstGeom>
+        </p:spPr>
+      </p:pic>
     </p:spTree>
     <p:extLst>
       <p:ext uri="{BB962C8B-B14F-4D97-AF65-F5344CB8AC3E}">
-        <p14:creationId xmlns:p14="http://schemas.microsoft.com/office/powerpoint/2010/main" val="1583925408"/>
+        <p14:creationId xmlns:p14="http://schemas.microsoft.com/office/powerpoint/2010/main" val="72527400"/>
       </p:ext>
     </p:extLst>
   </p:cSld>
@@ -3702,35 +3800,46 @@
           <a:p>
             <a:r>
               <a:rPr lang="en-US" dirty="0" smtClean="0"/>
-              <a:t>2. Generating path</a:t>
+              <a:t>1. Generating </a:t>
+            </a:r>
+            <a:r>
+              <a:rPr lang="en-US" dirty="0" smtClean="0"/>
+              <a:t>grid – Random</a:t>
             </a:r>
             <a:endParaRPr lang="mk-MK" dirty="0"/>
           </a:p>
         </p:txBody>
       </p:sp>
-      <p:sp>
-        <p:nvSpPr>
-          <p:cNvPr id="3" name="Content Placeholder 2"/>
-          <p:cNvSpPr>
-            <a:spLocks noGrp="1"/>
-          </p:cNvSpPr>
+      <p:pic>
+        <p:nvPicPr>
+          <p:cNvPr id="4" name="Content Placeholder 3"/>
+          <p:cNvPicPr>
+            <a:picLocks noGrp="1" noChangeAspect="1"/>
+          </p:cNvPicPr>
           <p:nvPr>
             <p:ph idx="1"/>
           </p:nvPr>
-        </p:nvSpPr>
-        <p:spPr/>
-        <p:txBody>
-          <a:bodyPr/>
-          <a:lstStyle/>
-          <a:p>
-            <a:endParaRPr lang="mk-MK"/>
-          </a:p>
-        </p:txBody>
-      </p:sp>
+        </p:nvPicPr>
+        <p:blipFill>
+          <a:blip r:embed="rId2"/>
+          <a:stretch>
+            <a:fillRect/>
+          </a:stretch>
+        </p:blipFill>
+        <p:spPr>
+          <a:xfrm>
+            <a:off x="3265584" y="1825625"/>
+            <a:ext cx="5660831" cy="4351338"/>
+          </a:xfrm>
+          <a:prstGeom prst="rect">
+            <a:avLst/>
+          </a:prstGeom>
+        </p:spPr>
+      </p:pic>
     </p:spTree>
     <p:extLst>
       <p:ext uri="{BB962C8B-B14F-4D97-AF65-F5344CB8AC3E}">
-        <p14:creationId xmlns:p14="http://schemas.microsoft.com/office/powerpoint/2010/main" val="872017386"/>
+        <p14:creationId xmlns:p14="http://schemas.microsoft.com/office/powerpoint/2010/main" val="1583925408"/>
       </p:ext>
     </p:extLst>
   </p:cSld>
@@ -3774,39 +3883,42 @@
           <a:p>
             <a:r>
               <a:rPr lang="en-US" dirty="0" smtClean="0"/>
-              <a:t>3. For each </a:t>
-            </a:r>
-            <a:r>
-              <a:rPr lang="en-US" dirty="0" smtClean="0"/>
-              <a:t>point in path</a:t>
+              <a:t>2. Generating path</a:t>
             </a:r>
             <a:endParaRPr lang="mk-MK" dirty="0"/>
           </a:p>
         </p:txBody>
       </p:sp>
-      <p:sp>
-        <p:nvSpPr>
-          <p:cNvPr id="3" name="Content Placeholder 2"/>
-          <p:cNvSpPr>
-            <a:spLocks noGrp="1"/>
-          </p:cNvSpPr>
+      <p:pic>
+        <p:nvPicPr>
+          <p:cNvPr id="4" name="Content Placeholder 3"/>
+          <p:cNvPicPr>
+            <a:picLocks noGrp="1" noChangeAspect="1"/>
+          </p:cNvPicPr>
           <p:nvPr>
             <p:ph idx="1"/>
           </p:nvPr>
-        </p:nvSpPr>
-        <p:spPr/>
-        <p:txBody>
-          <a:bodyPr/>
-          <a:lstStyle/>
-          <a:p>
-            <a:endParaRPr lang="mk-MK" dirty="0"/>
-          </a:p>
-        </p:txBody>
-      </p:sp>
+        </p:nvPicPr>
+        <p:blipFill>
+          <a:blip r:embed="rId2"/>
+          <a:stretch>
+            <a:fillRect/>
+          </a:stretch>
+        </p:blipFill>
+        <p:spPr>
+          <a:xfrm>
+            <a:off x="3195108" y="1825625"/>
+            <a:ext cx="5801784" cy="4351338"/>
+          </a:xfrm>
+          <a:prstGeom prst="rect">
+            <a:avLst/>
+          </a:prstGeom>
+        </p:spPr>
+      </p:pic>
     </p:spTree>
     <p:extLst>
       <p:ext uri="{BB962C8B-B14F-4D97-AF65-F5344CB8AC3E}">
-        <p14:creationId xmlns:p14="http://schemas.microsoft.com/office/powerpoint/2010/main" val="2878866267"/>
+        <p14:creationId xmlns:p14="http://schemas.microsoft.com/office/powerpoint/2010/main" val="872017386"/>
       </p:ext>
     </p:extLst>
   </p:cSld>
@@ -3850,11 +3962,7 @@
           <a:p>
             <a:r>
               <a:rPr lang="en-US" dirty="0" smtClean="0"/>
-              <a:t>4. </a:t>
-            </a:r>
-            <a:r>
-              <a:rPr lang="en-US" dirty="0" smtClean="0"/>
-              <a:t>Compute error, write to file, display figure</a:t>
+              <a:t>3. For each point in path</a:t>
             </a:r>
             <a:endParaRPr lang="mk-MK" dirty="0"/>
           </a:p>
@@ -3874,6 +3982,56 @@
         <p:txBody>
           <a:bodyPr/>
           <a:lstStyle/>
+          <a:p>
+            <a:pPr marL="457200" indent="-457200">
+              <a:buFont typeface="+mj-lt"/>
+              <a:buAutoNum type="arabicPeriod"/>
+            </a:pPr>
+            <a:r>
+              <a:rPr lang="en-US" dirty="0"/>
+              <a:t>Calculate distance to grid nodes</a:t>
+            </a:r>
+          </a:p>
+          <a:p>
+            <a:pPr marL="457200" indent="-457200">
+              <a:buFont typeface="+mj-lt"/>
+              <a:buAutoNum type="arabicPeriod"/>
+            </a:pPr>
+            <a:r>
+              <a:rPr lang="en-US" dirty="0"/>
+              <a:t>Add error</a:t>
+            </a:r>
+          </a:p>
+          <a:p>
+            <a:pPr marL="457200" indent="-457200">
+              <a:buFont typeface="+mj-lt"/>
+              <a:buAutoNum type="arabicPeriod"/>
+            </a:pPr>
+            <a:r>
+              <a:rPr lang="en-US" dirty="0"/>
+              <a:t>Choose N closest points</a:t>
+            </a:r>
+          </a:p>
+          <a:p>
+            <a:pPr marL="457200" indent="-457200">
+              <a:buFont typeface="+mj-lt"/>
+              <a:buAutoNum type="arabicPeriod"/>
+            </a:pPr>
+            <a:r>
+              <a:rPr lang="en-US" dirty="0"/>
+              <a:t>Distances larger than radio range to be Infinity</a:t>
+            </a:r>
+          </a:p>
+          <a:p>
+            <a:pPr marL="457200" indent="-457200">
+              <a:buFont typeface="+mj-lt"/>
+              <a:buAutoNum type="arabicPeriod"/>
+            </a:pPr>
+            <a:r>
+              <a:rPr lang="en-US" dirty="0"/>
+              <a:t>Call MDS-MAP Algorithm</a:t>
+            </a:r>
+          </a:p>
           <a:p>
             <a:endParaRPr lang="mk-MK" dirty="0"/>
           </a:p>
@@ -3882,7 +4040,7 @@
     </p:spTree>
     <p:extLst>
       <p:ext uri="{BB962C8B-B14F-4D97-AF65-F5344CB8AC3E}">
-        <p14:creationId xmlns:p14="http://schemas.microsoft.com/office/powerpoint/2010/main" val="2777188820"/>
+        <p14:creationId xmlns:p14="http://schemas.microsoft.com/office/powerpoint/2010/main" val="2878866267"/>
       </p:ext>
     </p:extLst>
   </p:cSld>
@@ -3926,86 +4084,42 @@
           <a:p>
             <a:r>
               <a:rPr lang="en-US" dirty="0" smtClean="0"/>
-              <a:t>Test results for Error variation - Parameters</a:t>
+              <a:t>4. Compute error, write to file, display figure</a:t>
             </a:r>
             <a:endParaRPr lang="mk-MK" dirty="0"/>
           </a:p>
         </p:txBody>
       </p:sp>
-      <p:sp>
-        <p:nvSpPr>
-          <p:cNvPr id="3" name="Content Placeholder 2"/>
-          <p:cNvSpPr>
-            <a:spLocks noGrp="1"/>
-          </p:cNvSpPr>
+      <p:pic>
+        <p:nvPicPr>
+          <p:cNvPr id="4" name="Content Placeholder 3"/>
+          <p:cNvPicPr>
+            <a:picLocks noGrp="1" noChangeAspect="1"/>
+          </p:cNvPicPr>
           <p:nvPr>
             <p:ph idx="1"/>
           </p:nvPr>
-        </p:nvSpPr>
-        <p:spPr/>
-        <p:txBody>
-          <a:bodyPr/>
-          <a:lstStyle/>
-          <a:p>
-            <a:r>
-              <a:rPr lang="en-US" dirty="0" err="1" smtClean="0"/>
-              <a:t>GridPositionJitter</a:t>
-            </a:r>
-            <a:r>
-              <a:rPr lang="en-US" dirty="0" smtClean="0"/>
-              <a:t> 0.200000</a:t>
-            </a:r>
-          </a:p>
-          <a:p>
-            <a:r>
-              <a:rPr lang="en-US" dirty="0" err="1" smtClean="0"/>
-              <a:t>PathNumberOfSplits</a:t>
-            </a:r>
-            <a:r>
-              <a:rPr lang="en-US" dirty="0" smtClean="0"/>
-              <a:t> 5.000000</a:t>
-            </a:r>
-          </a:p>
-          <a:p>
-            <a:r>
-              <a:rPr lang="en-US" dirty="0" err="1" smtClean="0"/>
-              <a:t>NumberOfPointsToFilter</a:t>
-            </a:r>
-            <a:r>
-              <a:rPr lang="en-US" dirty="0" smtClean="0"/>
-              <a:t> 10.000000</a:t>
-            </a:r>
-          </a:p>
-          <a:p>
-            <a:r>
-              <a:rPr lang="en-US" dirty="0" err="1" smtClean="0"/>
-              <a:t>RadioRange</a:t>
-            </a:r>
-            <a:r>
-              <a:rPr lang="en-US" dirty="0" smtClean="0"/>
-              <a:t> 0.500000</a:t>
-            </a:r>
-          </a:p>
-          <a:p>
-            <a:endParaRPr lang="en-US" dirty="0"/>
-          </a:p>
-          <a:p>
-            <a:r>
-              <a:rPr lang="en-US" dirty="0" err="1" smtClean="0"/>
-              <a:t>ErrorPercentageOfRange</a:t>
-            </a:r>
-            <a:r>
-              <a:rPr lang="en-US" dirty="0" smtClean="0"/>
-              <a:t> [0.010000 – 0.290000]</a:t>
-            </a:r>
-            <a:endParaRPr lang="mk-MK" dirty="0"/>
-          </a:p>
-        </p:txBody>
-      </p:sp>
+        </p:nvPicPr>
+        <p:blipFill>
+          <a:blip r:embed="rId2"/>
+          <a:stretch>
+            <a:fillRect/>
+          </a:stretch>
+        </p:blipFill>
+        <p:spPr>
+          <a:xfrm>
+            <a:off x="3261392" y="1825625"/>
+            <a:ext cx="5669216" cy="4351338"/>
+          </a:xfrm>
+          <a:prstGeom prst="rect">
+            <a:avLst/>
+          </a:prstGeom>
+        </p:spPr>
+      </p:pic>
     </p:spTree>
     <p:extLst>
       <p:ext uri="{BB962C8B-B14F-4D97-AF65-F5344CB8AC3E}">
-        <p14:creationId xmlns:p14="http://schemas.microsoft.com/office/powerpoint/2010/main" val="414871943"/>
+        <p14:creationId xmlns:p14="http://schemas.microsoft.com/office/powerpoint/2010/main" val="2777188820"/>
       </p:ext>
     </p:extLst>
   </p:cSld>
@@ -4049,7 +4163,7 @@
           <a:p>
             <a:r>
               <a:rPr lang="en-US" dirty="0" smtClean="0"/>
-              <a:t>Test results for Error variation - Results</a:t>
+              <a:t>Test results for Error variation - Parameters</a:t>
             </a:r>
             <a:endParaRPr lang="mk-MK" dirty="0"/>
           </a:p>
@@ -4070,6 +4184,57 @@
           <a:bodyPr/>
           <a:lstStyle/>
           <a:p>
+            <a:r>
+              <a:rPr lang="en-US" dirty="0" err="1" smtClean="0"/>
+              <a:t>GridPositionJitter</a:t>
+            </a:r>
+            <a:r>
+              <a:rPr lang="en-US" dirty="0" smtClean="0"/>
+              <a:t> 0.200000</a:t>
+            </a:r>
+          </a:p>
+          <a:p>
+            <a:r>
+              <a:rPr lang="en-US" dirty="0" err="1" smtClean="0"/>
+              <a:t>PathNumberOfSplits</a:t>
+            </a:r>
+            <a:r>
+              <a:rPr lang="en-US" dirty="0" smtClean="0"/>
+              <a:t> 5.000000</a:t>
+            </a:r>
+          </a:p>
+          <a:p>
+            <a:r>
+              <a:rPr lang="en-US" dirty="0" err="1" smtClean="0"/>
+              <a:t>NumberOfPointsToFilter</a:t>
+            </a:r>
+            <a:r>
+              <a:rPr lang="en-US" dirty="0" smtClean="0"/>
+              <a:t> 10.000000</a:t>
+            </a:r>
+          </a:p>
+          <a:p>
+            <a:r>
+              <a:rPr lang="en-US" dirty="0" err="1" smtClean="0"/>
+              <a:t>RadioRange</a:t>
+            </a:r>
+            <a:r>
+              <a:rPr lang="en-US" dirty="0" smtClean="0"/>
+              <a:t> 0.500000</a:t>
+            </a:r>
+          </a:p>
+          <a:p>
+            <a:endParaRPr lang="en-US" dirty="0"/>
+          </a:p>
+          <a:p>
+            <a:r>
+              <a:rPr lang="en-US" dirty="0" err="1" smtClean="0"/>
+              <a:t>ErrorPercentageOfRange</a:t>
+            </a:r>
+            <a:r>
+              <a:rPr lang="en-US" dirty="0" smtClean="0"/>
+              <a:t> [0.010000 – 0.290000]</a:t>
+            </a:r>
             <a:endParaRPr lang="mk-MK" dirty="0"/>
           </a:p>
         </p:txBody>
@@ -4077,7 +4242,7 @@
     </p:spTree>
     <p:extLst>
       <p:ext uri="{BB962C8B-B14F-4D97-AF65-F5344CB8AC3E}">
-        <p14:creationId xmlns:p14="http://schemas.microsoft.com/office/powerpoint/2010/main" val="1141317431"/>
+        <p14:creationId xmlns:p14="http://schemas.microsoft.com/office/powerpoint/2010/main" val="414871943"/>
       </p:ext>
     </p:extLst>
   </p:cSld>
